--- a/lecture/week_13/Lecture 19.pptx
+++ b/lecture/week_13/Lecture 19.pptx
@@ -265,7 +265,7 @@
           <a:p>
             <a:fld id="{CA67D61E-69D5-41D8-AD1A-4900ADD5FB19}" type="datetimeFigureOut">
               <a:rPr lang="en-US" smtClean="0"/>
-              <a:t>11/16/20</a:t>
+              <a:t>11/17/20</a:t>
             </a:fld>
             <a:endParaRPr lang="en-US"/>
           </a:p>
@@ -4811,7 +4811,7 @@
           <a:p>
             <a:fld id="{1D8BD707-D9CF-40AE-B4C6-C98DA3205C09}" type="datetimeFigureOut">
               <a:rPr lang="en-US"/>
-              <a:t>11/16/20</a:t>
+              <a:t>11/17/20</a:t>
             </a:fld>
             <a:endParaRPr lang="en-US"/>
           </a:p>
@@ -4988,7 +4988,7 @@
           <a:p>
             <a:fld id="{1D8BD707-D9CF-40AE-B4C6-C98DA3205C09}" type="datetimeFigureOut">
               <a:rPr lang="en-US"/>
-              <a:t>11/16/20</a:t>
+              <a:t>11/17/20</a:t>
             </a:fld>
             <a:endParaRPr lang="en-US"/>
           </a:p>
@@ -5202,7 +5202,7 @@
           <a:p>
             <a:fld id="{1D8BD707-D9CF-40AE-B4C6-C98DA3205C09}" type="datetimeFigureOut">
               <a:rPr lang="en-US"/>
-              <a:t>11/16/20</a:t>
+              <a:t>11/17/20</a:t>
             </a:fld>
             <a:endParaRPr lang="en-US"/>
           </a:p>
@@ -5350,7 +5350,7 @@
           <a:p>
             <a:fld id="{1D8BD707-D9CF-40AE-B4C6-C98DA3205C09}" type="datetimeFigureOut">
               <a:rPr lang="en-US"/>
-              <a:t>11/16/20</a:t>
+              <a:t>11/17/20</a:t>
             </a:fld>
             <a:endParaRPr lang="en-US"/>
           </a:p>
@@ -5469,7 +5469,7 @@
           <a:p>
             <a:fld id="{1D8BD707-D9CF-40AE-B4C6-C98DA3205C09}" type="datetimeFigureOut">
               <a:rPr lang="en-US"/>
-              <a:t>11/16/20</a:t>
+              <a:t>11/17/20</a:t>
             </a:fld>
             <a:endParaRPr lang="en-US"/>
           </a:p>
@@ -5694,7 +5694,7 @@
           <a:p>
             <a:fld id="{1D8BD707-D9CF-40AE-B4C6-C98DA3205C09}" type="datetimeFigureOut">
               <a:rPr lang="en-US"/>
-              <a:t>11/16/20</a:t>
+              <a:t>11/17/20</a:t>
             </a:fld>
             <a:endParaRPr lang="en-US"/>
           </a:p>
